--- a/doc/slides/Easegress.code.pptx
+++ b/doc/slides/Easegress.code.pptx
@@ -559,82 +559,6 @@
           <a:bodyPr/>
           <a:lstStyle/>
           <a:p>
-            <a:r>
-              <a:rPr kumimoji="1" lang="en-US" altLang="zh-CN" dirty="0" err="1"/>
-              <a:t>Easegress</a:t>
-            </a:r>
-            <a:r>
-              <a:rPr kumimoji="1" lang="en-US" altLang="zh-CN" dirty="0"/>
-              <a:t> </a:t>
-            </a:r>
-            <a:r>
-              <a:rPr kumimoji="1" lang="zh-CN" altLang="en-US" dirty="0"/>
-              <a:t>六月份开源以后，收到了不少外部报告的</a:t>
-            </a:r>
-            <a:r>
-              <a:rPr kumimoji="1" lang="en-US" altLang="zh-CN" dirty="0"/>
-              <a:t>bug</a:t>
-            </a:r>
-            <a:r>
-              <a:rPr kumimoji="1" lang="zh-CN" altLang="en-US" dirty="0"/>
-              <a:t>，和提交的 </a:t>
-            </a:r>
-            <a:r>
-              <a:rPr kumimoji="1" lang="en-US" altLang="zh-CN" dirty="0"/>
-              <a:t>PR</a:t>
-            </a:r>
-            <a:r>
-              <a:rPr kumimoji="1" lang="zh-CN" altLang="en-US" dirty="0"/>
-              <a:t>。今天借这个机会，我来向大家介绍一下 </a:t>
-            </a:r>
-            <a:r>
-              <a:rPr kumimoji="1" lang="en-US" altLang="zh-CN" dirty="0" err="1"/>
-              <a:t>Easegress</a:t>
-            </a:r>
-            <a:r>
-              <a:rPr kumimoji="1" lang="en-US" altLang="zh-CN" baseline="0" dirty="0"/>
-              <a:t> </a:t>
-            </a:r>
-            <a:r>
-              <a:rPr kumimoji="1" lang="zh-CN" altLang="en-US" baseline="0" dirty="0"/>
-              <a:t>的主要代码逻辑，希望能够帮助大家更好的使用 </a:t>
-            </a:r>
-            <a:r>
-              <a:rPr kumimoji="1" lang="en-US" altLang="zh-CN" baseline="0" dirty="0" err="1"/>
-              <a:t>Easegress</a:t>
-            </a:r>
-            <a:r>
-              <a:rPr kumimoji="1" lang="zh-CN" altLang="en-US" baseline="0" dirty="0"/>
-              <a:t>，向我们报告更多的 </a:t>
-            </a:r>
-            <a:r>
-              <a:rPr kumimoji="1" lang="en-US" altLang="zh-CN" baseline="0" dirty="0"/>
-              <a:t>bug</a:t>
-            </a:r>
-            <a:r>
-              <a:rPr kumimoji="1" lang="zh-CN" altLang="en-US" baseline="0" dirty="0"/>
-              <a:t>。皓哥在微信群里说当外部贡献者的代码超过 </a:t>
-            </a:r>
-            <a:r>
-              <a:rPr kumimoji="1" lang="en-US" altLang="zh-CN" baseline="0" dirty="0"/>
-              <a:t>50% </a:t>
-            </a:r>
-            <a:r>
-              <a:rPr kumimoji="1" lang="zh-CN" altLang="en-US" baseline="0" dirty="0"/>
-              <a:t>的时候，我们会捐出 </a:t>
-            </a:r>
-            <a:r>
-              <a:rPr kumimoji="1" lang="en-US" altLang="zh-CN" baseline="0" dirty="0" err="1"/>
-              <a:t>Easegress</a:t>
-            </a:r>
-            <a:r>
-              <a:rPr kumimoji="1" lang="en-US" altLang="zh-CN" baseline="0" dirty="0"/>
-              <a:t> </a:t>
-            </a:r>
-            <a:r>
-              <a:rPr kumimoji="1" lang="zh-CN" altLang="en-US" baseline="0" dirty="0"/>
-              <a:t>，让它真正成为“民主化”的开源软件，所以，我们也希望，通过今天的分享，能有更多的外部贡献者贡献更多、更好的代码。</a:t>
-            </a:r>
             <a:endParaRPr kumimoji="1" lang="en-US" altLang="zh-CN" dirty="0"/>
           </a:p>
         </p:txBody>
@@ -6624,10 +6548,10 @@
           </p:nvGrpSpPr>
           <p:grpSpPr>
             <a:xfrm>
-              <a:off x="1134686" y="3684811"/>
-              <a:ext cx="3199190" cy="327080"/>
-              <a:chOff x="626686" y="2987650"/>
-              <a:chExt cx="3199190" cy="327080"/>
+              <a:off x="1134685" y="3684811"/>
+              <a:ext cx="3891771" cy="327080"/>
+              <a:chOff x="626685" y="2987650"/>
+              <a:chExt cx="3891771" cy="327080"/>
             </a:xfrm>
           </p:grpSpPr>
           <p:sp>
@@ -6638,8 +6562,8 @@
             </p:nvSpPr>
             <p:spPr>
               <a:xfrm>
-                <a:off x="626686" y="3068509"/>
-                <a:ext cx="3199190" cy="246221"/>
+                <a:off x="626685" y="3068509"/>
+                <a:ext cx="3891771" cy="246221"/>
               </a:xfrm>
               <a:prstGeom prst="rect">
                 <a:avLst/>
@@ -6663,85 +6587,7 @@
                     <a:latin typeface="微软雅黑 Light" panose="020B0502040204020203" pitchFamily="34" charset="-122"/>
                     <a:ea typeface="微软雅黑 Light" panose="020B0502040204020203" pitchFamily="34" charset="-122"/>
                   </a:rPr>
-                  <a:t>MAKING</a:t>
-                </a:r>
-                <a:r>
-                  <a:rPr lang="zh-CN" altLang="en-US" sz="1000" b="1" dirty="0">
-                    <a:solidFill>
-                      <a:schemeClr val="tx1">
-                        <a:lumMod val="75000"/>
-                        <a:lumOff val="25000"/>
-                      </a:schemeClr>
-                    </a:solidFill>
-                    <a:latin typeface="微软雅黑 Light" panose="020B0502040204020203" pitchFamily="34" charset="-122"/>
-                    <a:ea typeface="微软雅黑 Light" panose="020B0502040204020203" pitchFamily="34" charset="-122"/>
-                  </a:rPr>
-                  <a:t> </a:t>
-                </a:r>
-                <a:r>
-                  <a:rPr lang="en-US" altLang="zh-CN" sz="1000" b="1" dirty="0">
-                    <a:solidFill>
-                      <a:schemeClr val="tx1">
-                        <a:lumMod val="75000"/>
-                        <a:lumOff val="25000"/>
-                      </a:schemeClr>
-                    </a:solidFill>
-                    <a:latin typeface="微软雅黑 Light" panose="020B0502040204020203" pitchFamily="34" charset="-122"/>
-                    <a:ea typeface="微软雅黑 Light" panose="020B0502040204020203" pitchFamily="34" charset="-122"/>
-                  </a:rPr>
-                  <a:t>SOFTWARE</a:t>
-                </a:r>
-                <a:r>
-                  <a:rPr lang="zh-CN" altLang="en-US" sz="1000" b="1" dirty="0">
-                    <a:solidFill>
-                      <a:schemeClr val="tx1">
-                        <a:lumMod val="75000"/>
-                        <a:lumOff val="25000"/>
-                      </a:schemeClr>
-                    </a:solidFill>
-                    <a:latin typeface="微软雅黑 Light" panose="020B0502040204020203" pitchFamily="34" charset="-122"/>
-                    <a:ea typeface="微软雅黑 Light" panose="020B0502040204020203" pitchFamily="34" charset="-122"/>
-                  </a:rPr>
-                  <a:t> </a:t>
-                </a:r>
-                <a:r>
-                  <a:rPr lang="en-US" altLang="zh-CN" sz="1000" b="1" dirty="0">
-                    <a:solidFill>
-                      <a:schemeClr val="tx1">
-                        <a:lumMod val="75000"/>
-                        <a:lumOff val="25000"/>
-                      </a:schemeClr>
-                    </a:solidFill>
-                    <a:latin typeface="微软雅黑 Light" panose="020B0502040204020203" pitchFamily="34" charset="-122"/>
-                    <a:ea typeface="微软雅黑 Light" panose="020B0502040204020203" pitchFamily="34" charset="-122"/>
-                  </a:rPr>
-                  <a:t>ARCHITECTURE</a:t>
-                </a:r>
-                <a:r>
-                  <a:rPr lang="zh-CN" altLang="en-US" sz="1000" b="1" dirty="0">
-                    <a:solidFill>
-                      <a:schemeClr val="tx1">
-                        <a:lumMod val="75000"/>
-                        <a:lumOff val="25000"/>
-                      </a:schemeClr>
-                    </a:solidFill>
-                    <a:latin typeface="微软雅黑 Light" panose="020B0502040204020203" pitchFamily="34" charset="-122"/>
-                    <a:ea typeface="微软雅黑 Light" panose="020B0502040204020203" pitchFamily="34" charset="-122"/>
-                  </a:rPr>
-                  <a:t> </a:t>
-                </a:r>
-                <a:r>
-                  <a:rPr lang="en-US" altLang="zh-CN" sz="1000" b="1" dirty="0">
-                    <a:solidFill>
-                      <a:schemeClr val="tx1">
-                        <a:lumMod val="75000"/>
-                        <a:lumOff val="25000"/>
-                      </a:schemeClr>
-                    </a:solidFill>
-                    <a:latin typeface="微软雅黑 Light" panose="020B0502040204020203" pitchFamily="34" charset="-122"/>
-                    <a:ea typeface="微软雅黑 Light" panose="020B0502040204020203" pitchFamily="34" charset="-122"/>
-                  </a:rPr>
-                  <a:t>ALIVE</a:t>
+                  <a:t>Open Source, Freedom, Low Cost, High Availability Cloud Native Platform</a:t>
                 </a:r>
               </a:p>
             </p:txBody>
@@ -6945,7 +6791,7 @@
                   <a:pPr algn="ctr"/>
                   <a:r>
                     <a:rPr lang="en-US" altLang="zh-CN" sz="1400" b="1" dirty="0" err="1"/>
-                    <a:t>Eagress</a:t>
+                    <a:t>Easegress</a:t>
                   </a:r>
                   <a:endParaRPr lang="zh-CN" altLang="en-US" sz="1600" b="1" dirty="0"/>
                 </a:p>
@@ -24290,7 +24136,7 @@
           <a:graphicData uri="http://schemas.openxmlformats.org/presentationml/2006/ole">
             <mc:AlternateContent xmlns:mc="http://schemas.openxmlformats.org/markup-compatibility/2006">
               <mc:Choice xmlns:v="urn:schemas-microsoft-com:vml" Requires="v">
-                <p:oleObj spid="_x0000_s1063" name="BMP 图像" r:id="rId3" imgW="1943280" imgH="5305320" progId="Paint.Picture">
+                <p:oleObj spid="_x0000_s1065" name="BMP 图像" r:id="rId3" imgW="1943280" imgH="5305320" progId="Paint.Picture">
                   <p:embed/>
                 </p:oleObj>
               </mc:Choice>
